--- a/swbproys/gestor-bsc/doc/weekly/02_20130610/Junta semanal interna.pptx
+++ b/swbproys/gestor-bsc/doc/weekly/02_20130610/Junta semanal interna.pptx
@@ -4488,11 +4488,7 @@
           <a:p>
             <a:r>
               <a:rPr lang="es-MX" dirty="0" smtClean="0"/>
-              <a:t>Nombre del Team </a:t>
-            </a:r>
-            <a:r>
-              <a:rPr lang="es-MX" dirty="0" err="1" smtClean="0"/>
-              <a:t>Member</a:t>
+              <a:t>Carlos Ramos Incháustegui </a:t>
             </a:r>
             <a:endParaRPr lang="es-MX" dirty="0"/>
           </a:p>
@@ -4537,13 +4533,13 @@
           <p:nvPr>
             <p:extLst>
               <p:ext uri="{D42A27DB-BD31-4B8C-83A1-F6EECF244321}">
-                <p14:modId xmlns:p14="http://schemas.microsoft.com/office/powerpoint/2010/main" val="563807908"/>
+                <p14:modId xmlns:p14="http://schemas.microsoft.com/office/powerpoint/2010/main" val="2627179172"/>
               </p:ext>
             </p:extLst>
           </p:nvPr>
         </p:nvGraphicFramePr>
         <p:xfrm>
-          <a:off x="1219200" y="4393912"/>
+          <a:off x="1043608" y="4293096"/>
           <a:ext cx="7313240" cy="1483360"/>
         </p:xfrm>
         <a:graphic>
@@ -4560,8 +4556,8 @@
                 <a:tableStyleId>{1E171933-4619-4E11-9A3F-F7608DF75F80}</a:tableStyleId>
               </a:tblPr>
               <a:tblGrid>
-                <a:gridCol w="832520"/>
-                <a:gridCol w="1080120"/>
+                <a:gridCol w="760512"/>
+                <a:gridCol w="1152128"/>
                 <a:gridCol w="1440160"/>
                 <a:gridCol w="819574"/>
                 <a:gridCol w="1085426"/>
@@ -4579,7 +4575,11 @@
                       </a:r>
                       <a:r>
                         <a:rPr lang="es-MX" baseline="0" dirty="0" smtClean="0"/>
-                        <a:t> Actual (27/08/2012)</a:t>
+                        <a:t> Actual </a:t>
+                      </a:r>
+                      <a:r>
+                        <a:rPr lang="es-MX" baseline="0" dirty="0" smtClean="0"/>
+                        <a:t>(17/06/2013)</a:t>
                       </a:r>
                       <a:endParaRPr lang="es-MX" dirty="0"/>
                     </a:p>
@@ -4659,7 +4659,7 @@
                     <a:p>
                       <a:r>
                         <a:rPr lang="es-MX" dirty="0" smtClean="0"/>
-                        <a:t>7:15%</a:t>
+                        <a:t>62%</a:t>
                       </a:r>
                       <a:endParaRPr lang="es-MX" dirty="0"/>
                     </a:p>
@@ -4673,7 +4673,7 @@
                     <a:p>
                       <a:r>
                         <a:rPr lang="es-MX" dirty="0" smtClean="0"/>
-                        <a:t>2.48</a:t>
+                        <a:t>Atrasado</a:t>
                       </a:r>
                       <a:endParaRPr lang="es-MX" dirty="0"/>
                     </a:p>
@@ -4701,7 +4701,7 @@
                     <a:p>
                       <a:r>
                         <a:rPr lang="es-MX" dirty="0" smtClean="0"/>
-                        <a:t>3.35%</a:t>
+                        <a:t>41%</a:t>
                       </a:r>
                       <a:endParaRPr lang="es-MX" dirty="0"/>
                     </a:p>
@@ -4724,6 +4724,125 @@
                 </a:tc>
               </a:tr>
               <a:tr h="370840">
+                <a:tc gridSpan="3">
+                  <a:txBody>
+                    <a:bodyPr/>
+                    <a:lstStyle/>
+                    <a:p>
+                      <a:r>
+                        <a:rPr lang="es-MX" dirty="0" smtClean="0"/>
+                        <a:t>Semana anterior</a:t>
+                      </a:r>
+                      <a:r>
+                        <a:rPr lang="es-MX" baseline="0" dirty="0" smtClean="0"/>
+                        <a:t> (10/06/2013)</a:t>
+                      </a:r>
+                      <a:endParaRPr lang="es-MX" sz="1800" b="1" kern="1200" dirty="0">
+                        <a:solidFill>
+                          <a:schemeClr val="lt1"/>
+                        </a:solidFill>
+                        <a:latin typeface="+mn-lt"/>
+                        <a:ea typeface="+mn-ea"/>
+                        <a:cs typeface="+mn-cs"/>
+                      </a:endParaRPr>
+                    </a:p>
+                  </a:txBody>
+                  <a:tcPr/>
+                </a:tc>
+                <a:tc hMerge="1">
+                  <a:txBody>
+                    <a:bodyPr/>
+                    <a:lstStyle/>
+                    <a:p>
+                      <a:endParaRPr lang="es-MX" dirty="0"/>
+                    </a:p>
+                  </a:txBody>
+                  <a:tcPr/>
+                </a:tc>
+                <a:tc hMerge="1">
+                  <a:txBody>
+                    <a:bodyPr/>
+                    <a:lstStyle/>
+                    <a:p>
+                      <a:endParaRPr lang="es-MX" dirty="0"/>
+                    </a:p>
+                  </a:txBody>
+                  <a:tcPr/>
+                </a:tc>
+                <a:tc>
+                  <a:txBody>
+                    <a:bodyPr/>
+                    <a:lstStyle/>
+                    <a:p>
+                      <a:endParaRPr lang="es-MX"/>
+                    </a:p>
+                  </a:txBody>
+                  <a:tcPr/>
+                </a:tc>
+                <a:tc>
+                  <a:txBody>
+                    <a:bodyPr/>
+                    <a:lstStyle/>
+                    <a:p>
+                      <a:endParaRPr lang="es-MX"/>
+                    </a:p>
+                  </a:txBody>
+                  <a:tcPr/>
+                </a:tc>
+                <a:tc>
+                  <a:txBody>
+                    <a:bodyPr/>
+                    <a:lstStyle/>
+                    <a:p>
+                      <a:endParaRPr lang="es-MX" dirty="0"/>
+                    </a:p>
+                  </a:txBody>
+                  <a:tcPr/>
+                </a:tc>
+              </a:tr>
+              <a:tr h="370840">
+                <a:tc>
+                  <a:txBody>
+                    <a:bodyPr/>
+                    <a:lstStyle/>
+                    <a:p>
+                      <a:r>
+                        <a:rPr lang="es-MX" dirty="0" smtClean="0"/>
+                        <a:t>VG:</a:t>
+                      </a:r>
+                      <a:endParaRPr lang="es-MX" dirty="0"/>
+                    </a:p>
+                  </a:txBody>
+                  <a:tcPr/>
+                </a:tc>
+                <a:tc>
+                  <a:txBody>
+                    <a:bodyPr/>
+                    <a:lstStyle/>
+                    <a:p>
+                      <a:r>
+                        <a:rPr lang="es-MX" dirty="0" smtClean="0"/>
+                        <a:t>44.3%</a:t>
+                      </a:r>
+                      <a:endParaRPr lang="es-MX" dirty="0"/>
+                    </a:p>
+                  </a:txBody>
+                  <a:tcPr/>
+                </a:tc>
+                <a:tc>
+                  <a:txBody>
+                    <a:bodyPr/>
+                    <a:lstStyle/>
+                    <a:p>
+                      <a:r>
+                        <a:rPr lang="es-MX" dirty="0" smtClean="0"/>
+                        <a:t>Atrasado</a:t>
+                      </a:r>
+                      <a:endParaRPr lang="es-MX" dirty="0"/>
+                    </a:p>
+                  </a:txBody>
+                  <a:tcPr/>
+                </a:tc>
                 <a:tc>
                   <a:txBody>
                     <a:bodyPr/>
@@ -4745,7 +4864,7 @@
                     <a:p>
                       <a:r>
                         <a:rPr lang="es-MX" dirty="0" smtClean="0"/>
-                        <a:t>10.06 %</a:t>
+                        <a:t>47%</a:t>
                       </a:r>
                       <a:endParaRPr lang="es-MX" dirty="0"/>
                     </a:p>
@@ -4761,110 +4880,6 @@
                         <a:rPr lang="es-MX" dirty="0" smtClean="0"/>
                         <a:t>Atrasado</a:t>
                       </a:r>
-                      <a:endParaRPr lang="es-MX" dirty="0"/>
-                    </a:p>
-                  </a:txBody>
-                  <a:tcPr/>
-                </a:tc>
-                <a:tc>
-                  <a:txBody>
-                    <a:bodyPr/>
-                    <a:lstStyle/>
-                    <a:p>
-                      <a:r>
-                        <a:rPr lang="es-MX" dirty="0" smtClean="0"/>
-                        <a:t>Horas:</a:t>
-                      </a:r>
-                      <a:endParaRPr lang="es-MX" dirty="0"/>
-                    </a:p>
-                  </a:txBody>
-                  <a:tcPr/>
-                </a:tc>
-                <a:tc>
-                  <a:txBody>
-                    <a:bodyPr/>
-                    <a:lstStyle/>
-                    <a:p>
-                      <a:r>
-                        <a:rPr lang="es-MX" dirty="0" smtClean="0"/>
-                        <a:t>10.06 %</a:t>
-                      </a:r>
-                      <a:endParaRPr lang="es-MX" dirty="0"/>
-                    </a:p>
-                  </a:txBody>
-                  <a:tcPr/>
-                </a:tc>
-                <a:tc>
-                  <a:txBody>
-                    <a:bodyPr/>
-                    <a:lstStyle/>
-                    <a:p>
-                      <a:r>
-                        <a:rPr lang="es-MX" dirty="0" smtClean="0"/>
-                        <a:t>Atrasado</a:t>
-                      </a:r>
-                      <a:endParaRPr lang="es-MX" dirty="0"/>
-                    </a:p>
-                  </a:txBody>
-                  <a:tcPr/>
-                </a:tc>
-              </a:tr>
-              <a:tr h="370840">
-                <a:tc>
-                  <a:txBody>
-                    <a:bodyPr/>
-                    <a:lstStyle/>
-                    <a:p>
-                      <a:endParaRPr lang="es-MX" dirty="0"/>
-                    </a:p>
-                  </a:txBody>
-                  <a:tcPr/>
-                </a:tc>
-                <a:tc>
-                  <a:txBody>
-                    <a:bodyPr/>
-                    <a:lstStyle/>
-                    <a:p>
-                      <a:endParaRPr lang="es-MX" dirty="0"/>
-                    </a:p>
-                  </a:txBody>
-                  <a:tcPr/>
-                </a:tc>
-                <a:tc>
-                  <a:txBody>
-                    <a:bodyPr/>
-                    <a:lstStyle/>
-                    <a:p>
-                      <a:endParaRPr lang="es-MX" dirty="0"/>
-                    </a:p>
-                  </a:txBody>
-                  <a:tcPr/>
-                </a:tc>
-                <a:tc>
-                  <a:txBody>
-                    <a:bodyPr/>
-                    <a:lstStyle/>
-                    <a:p>
-                      <a:endParaRPr lang="es-MX" dirty="0"/>
-                    </a:p>
-                  </a:txBody>
-                  <a:tcPr/>
-                </a:tc>
-                <a:tc>
-                  <a:txBody>
-                    <a:bodyPr/>
-                    <a:lstStyle/>
-                    <a:p>
-                      <a:endParaRPr lang="es-MX" dirty="0"/>
-                    </a:p>
-                  </a:txBody>
-                  <a:tcPr/>
-                </a:tc>
-                <a:tc>
-                  <a:txBody>
-                    <a:bodyPr/>
-                    <a:lstStyle/>
-                    <a:p>
                       <a:endParaRPr lang="es-MX" dirty="0" smtClean="0"/>
                     </a:p>
                   </a:txBody>
@@ -4919,78 +4934,78 @@
                     <a:p>
                       <a:pPr algn="r" fontAlgn="ctr"/>
                       <a:r>
+                        <a:rPr lang="es-MX" sz="1100" u="none" strike="noStrike" dirty="0">
+                          <a:effectLst/>
+                        </a:rPr>
+                        <a:t> </a:t>
+                      </a:r>
+                      <a:endParaRPr lang="es-MX" sz="1100" b="0" i="0" u="none" strike="noStrike" dirty="0">
+                        <a:solidFill>
+                          <a:srgbClr val="000000"/>
+                        </a:solidFill>
+                        <a:effectLst/>
+                        <a:latin typeface="Calibri"/>
+                      </a:endParaRPr>
+                    </a:p>
+                  </a:txBody>
+                  <a:tcPr marL="9525" marR="9525" marT="9525" marB="0" anchor="ctr"/>
+                </a:tc>
+                <a:tc gridSpan="3">
+                  <a:txBody>
+                    <a:bodyPr/>
+                    <a:lstStyle/>
+                    <a:p>
+                      <a:pPr algn="ctr" fontAlgn="b"/>
+                      <a:r>
                         <a:rPr lang="es-MX" sz="1100" u="none" strike="noStrike">
                           <a:effectLst/>
                         </a:rPr>
+                        <a:t>Horas Directas</a:t>
+                      </a:r>
+                      <a:endParaRPr lang="es-MX" sz="1100" b="1" i="0" u="none" strike="noStrike">
+                        <a:solidFill>
+                          <a:srgbClr val="000000"/>
+                        </a:solidFill>
+                        <a:effectLst/>
+                        <a:latin typeface="Calibri"/>
+                      </a:endParaRPr>
+                    </a:p>
+                  </a:txBody>
+                  <a:tcPr marL="9525" marR="9525" marT="9525" marB="0" anchor="b"/>
+                </a:tc>
+                <a:tc hMerge="1">
+                  <a:txBody>
+                    <a:bodyPr/>
+                    <a:lstStyle/>
+                    <a:p>
+                      <a:endParaRPr lang="es-MX"/>
+                    </a:p>
+                  </a:txBody>
+                  <a:tcPr/>
+                </a:tc>
+                <a:tc hMerge="1">
+                  <a:txBody>
+                    <a:bodyPr/>
+                    <a:lstStyle/>
+                    <a:p>
+                      <a:endParaRPr lang="es-MX"/>
+                    </a:p>
+                  </a:txBody>
+                  <a:tcPr/>
+                </a:tc>
+                <a:tc>
+                  <a:txBody>
+                    <a:bodyPr/>
+                    <a:lstStyle/>
+                    <a:p>
+                      <a:pPr algn="ctr" fontAlgn="b"/>
+                      <a:r>
+                        <a:rPr lang="es-MX" sz="1100" u="none" strike="noStrike" dirty="0" smtClean="0">
+                          <a:effectLst/>
+                        </a:rPr>
                         <a:t> </a:t>
                       </a:r>
-                      <a:endParaRPr lang="es-MX" sz="1100" b="0" i="0" u="none" strike="noStrike">
-                        <a:solidFill>
-                          <a:srgbClr val="000000"/>
-                        </a:solidFill>
-                        <a:effectLst/>
-                        <a:latin typeface="Calibri"/>
-                      </a:endParaRPr>
-                    </a:p>
-                  </a:txBody>
-                  <a:tcPr marL="9525" marR="9525" marT="9525" marB="0" anchor="ctr"/>
-                </a:tc>
-                <a:tc gridSpan="3">
-                  <a:txBody>
-                    <a:bodyPr/>
-                    <a:lstStyle/>
-                    <a:p>
-                      <a:pPr algn="ctr" fontAlgn="b"/>
-                      <a:r>
-                        <a:rPr lang="es-MX" sz="1100" u="none" strike="noStrike">
-                          <a:effectLst/>
-                        </a:rPr>
-                        <a:t>Horas Directas</a:t>
-                      </a:r>
-                      <a:endParaRPr lang="es-MX" sz="1100" b="1" i="0" u="none" strike="noStrike">
-                        <a:solidFill>
-                          <a:srgbClr val="000000"/>
-                        </a:solidFill>
-                        <a:effectLst/>
-                        <a:latin typeface="Calibri"/>
-                      </a:endParaRPr>
-                    </a:p>
-                  </a:txBody>
-                  <a:tcPr marL="9525" marR="9525" marT="9525" marB="0" anchor="b"/>
-                </a:tc>
-                <a:tc hMerge="1">
-                  <a:txBody>
-                    <a:bodyPr/>
-                    <a:lstStyle/>
-                    <a:p>
-                      <a:endParaRPr lang="es-MX"/>
-                    </a:p>
-                  </a:txBody>
-                  <a:tcPr/>
-                </a:tc>
-                <a:tc hMerge="1">
-                  <a:txBody>
-                    <a:bodyPr/>
-                    <a:lstStyle/>
-                    <a:p>
-                      <a:endParaRPr lang="es-MX"/>
-                    </a:p>
-                  </a:txBody>
-                  <a:tcPr/>
-                </a:tc>
-                <a:tc>
-                  <a:txBody>
-                    <a:bodyPr/>
-                    <a:lstStyle/>
-                    <a:p>
-                      <a:pPr algn="ctr" fontAlgn="b"/>
-                      <a:r>
-                        <a:rPr lang="es-MX" sz="1100" u="none" strike="noStrike">
-                          <a:effectLst/>
-                        </a:rPr>
-                        <a:t> </a:t>
-                      </a:r>
-                      <a:endParaRPr lang="es-MX" sz="1100" b="1" i="0" u="none" strike="noStrike">
+                      <a:endParaRPr lang="es-MX" sz="1100" b="1" i="0" u="none" strike="noStrike" dirty="0">
                         <a:solidFill>
                           <a:srgbClr val="000000"/>
                         </a:solidFill>
@@ -5642,10 +5657,33 @@
                     <a:p>
                       <a:pPr algn="r" fontAlgn="ctr"/>
                       <a:r>
+                        <a:rPr lang="es-MX" sz="1100" u="none" strike="noStrike" dirty="0">
+                          <a:effectLst/>
+                        </a:rPr>
+                        <a:t>41%</a:t>
+                      </a:r>
+                      <a:endParaRPr lang="es-MX" sz="1100" b="0" i="0" u="none" strike="noStrike" dirty="0">
+                        <a:solidFill>
+                          <a:srgbClr val="000000"/>
+                        </a:solidFill>
+                        <a:effectLst/>
+                        <a:latin typeface="Calibri"/>
+                      </a:endParaRPr>
+                    </a:p>
+                  </a:txBody>
+                  <a:tcPr marL="9525" marR="9525" marT="9525" marB="0" anchor="ctr"/>
+                </a:tc>
+                <a:tc>
+                  <a:txBody>
+                    <a:bodyPr/>
+                    <a:lstStyle/>
+                    <a:p>
+                      <a:pPr algn="r" fontAlgn="ctr"/>
+                      <a:r>
                         <a:rPr lang="es-MX" sz="1100" u="none" strike="noStrike">
                           <a:effectLst/>
                         </a:rPr>
-                        <a:t>41%</a:t>
+                        <a:t> </a:t>
                       </a:r>
                       <a:endParaRPr lang="es-MX" sz="1100" b="0" i="0" u="none" strike="noStrike">
                         <a:solidFill>
@@ -5668,7 +5706,7 @@
                         <a:rPr lang="es-MX" sz="1100" u="none" strike="noStrike">
                           <a:effectLst/>
                         </a:rPr>
-                        <a:t> </a:t>
+                        <a:t>8,76%</a:t>
                       </a:r>
                       <a:endParaRPr lang="es-MX" sz="1100" b="0" i="0" u="none" strike="noStrike">
                         <a:solidFill>
@@ -5691,7 +5729,7 @@
                         <a:rPr lang="es-MX" sz="1100" u="none" strike="noStrike">
                           <a:effectLst/>
                         </a:rPr>
-                        <a:t>8,76%</a:t>
+                        <a:t>3,35%</a:t>
                       </a:r>
                       <a:endParaRPr lang="es-MX" sz="1100" b="0" i="0" u="none" strike="noStrike">
                         <a:solidFill>
@@ -5714,7 +5752,7 @@
                         <a:rPr lang="es-MX" sz="1100" u="none" strike="noStrike">
                           <a:effectLst/>
                         </a:rPr>
-                        <a:t>3,35%</a:t>
+                        <a:t>0,38</a:t>
                       </a:r>
                       <a:endParaRPr lang="es-MX" sz="1100" b="0" i="0" u="none" strike="noStrike">
                         <a:solidFill>
@@ -5734,35 +5772,12 @@
                     <a:p>
                       <a:pPr algn="r" fontAlgn="ctr"/>
                       <a:r>
-                        <a:rPr lang="es-MX" sz="1100" u="none" strike="noStrike">
-                          <a:effectLst/>
-                        </a:rPr>
-                        <a:t>0,38</a:t>
-                      </a:r>
-                      <a:endParaRPr lang="es-MX" sz="1100" b="0" i="0" u="none" strike="noStrike">
-                        <a:solidFill>
-                          <a:srgbClr val="000000"/>
-                        </a:solidFill>
-                        <a:effectLst/>
-                        <a:latin typeface="Calibri"/>
-                      </a:endParaRPr>
-                    </a:p>
-                  </a:txBody>
-                  <a:tcPr marL="9525" marR="9525" marT="9525" marB="0" anchor="ctr"/>
-                </a:tc>
-                <a:tc>
-                  <a:txBody>
-                    <a:bodyPr/>
-                    <a:lstStyle/>
-                    <a:p>
-                      <a:pPr algn="r" fontAlgn="ctr"/>
-                      <a:r>
-                        <a:rPr lang="es-MX" sz="1100" u="none" strike="noStrike">
+                        <a:rPr lang="es-MX" sz="1100" u="none" strike="noStrike" dirty="0">
                           <a:effectLst/>
                         </a:rPr>
                         <a:t>62%</a:t>
                       </a:r>
-                      <a:endParaRPr lang="es-MX" sz="1100" b="0" i="0" u="none" strike="noStrike">
+                      <a:endParaRPr lang="es-MX" sz="1100" b="0" i="0" u="none" strike="noStrike" dirty="0">
                         <a:solidFill>
                           <a:srgbClr val="000000"/>
                         </a:solidFill>
@@ -6106,12 +6121,12 @@
                     <a:p>
                       <a:pPr algn="r" fontAlgn="ctr"/>
                       <a:r>
-                        <a:rPr lang="es-MX" sz="1100" u="none" strike="noStrike">
+                        <a:rPr lang="es-MX" sz="1100" u="none" strike="noStrike" dirty="0">
                           <a:effectLst/>
                         </a:rPr>
                         <a:t> </a:t>
                       </a:r>
-                      <a:endParaRPr lang="es-MX" sz="1100" b="0" i="0" u="none" strike="noStrike">
+                      <a:endParaRPr lang="es-MX" sz="1100" b="0" i="0" u="none" strike="noStrike" dirty="0">
                         <a:solidFill>
                           <a:srgbClr val="000000"/>
                         </a:solidFill>
@@ -6951,7 +6966,7 @@
           <p:nvPr>
             <p:extLst>
               <p:ext uri="{D42A27DB-BD31-4B8C-83A1-F6EECF244321}">
-                <p14:modId xmlns:p14="http://schemas.microsoft.com/office/powerpoint/2010/main" val="1254367888"/>
+                <p14:modId xmlns:p14="http://schemas.microsoft.com/office/powerpoint/2010/main" val="1493928960"/>
               </p:ext>
             </p:extLst>
           </p:nvPr>
@@ -7073,7 +7088,7 @@
                     <a:p>
                       <a:r>
                         <a:rPr lang="es-MX" dirty="0" smtClean="0"/>
-                        <a:t>54.21%</a:t>
+                        <a:t>72.78%</a:t>
                       </a:r>
                       <a:endParaRPr lang="es-MX" dirty="0"/>
                     </a:p>
@@ -7115,7 +7130,7 @@
                     <a:p>
                       <a:r>
                         <a:rPr lang="es-MX" dirty="0" smtClean="0"/>
-                        <a:t>72.78%</a:t>
+                        <a:t>54.21%</a:t>
                       </a:r>
                       <a:endParaRPr lang="es-MX" dirty="0"/>
                     </a:p>
@@ -8222,12 +8237,12 @@
                     <a:p>
                       <a:pPr algn="r" fontAlgn="ctr"/>
                       <a:r>
-                        <a:rPr lang="es-ES" sz="1000" u="none" strike="noStrike">
+                        <a:rPr lang="es-ES" sz="1000" u="none" strike="noStrike" dirty="0">
                           <a:effectLst/>
                         </a:rPr>
                         <a:t>38:00:00</a:t>
                       </a:r>
-                      <a:endParaRPr lang="es-ES" sz="1000" b="0" i="0" u="none" strike="noStrike">
+                      <a:endParaRPr lang="es-ES" sz="1000" b="0" i="0" u="none" strike="noStrike" dirty="0">
                         <a:solidFill>
                           <a:srgbClr val="000000"/>
                         </a:solidFill>
@@ -8245,12 +8260,12 @@
                     <a:p>
                       <a:pPr algn="r" fontAlgn="ctr"/>
                       <a:r>
-                        <a:rPr lang="es-ES" sz="1000" u="none" strike="noStrike">
+                        <a:rPr lang="es-ES" sz="1000" u="none" strike="noStrike" dirty="0">
                           <a:effectLst/>
                         </a:rPr>
                         <a:t>17:24</a:t>
                       </a:r>
-                      <a:endParaRPr lang="es-ES" sz="1000" b="0" i="0" u="none" strike="noStrike">
+                      <a:endParaRPr lang="es-ES" sz="1000" b="0" i="0" u="none" strike="noStrike" dirty="0">
                         <a:solidFill>
                           <a:srgbClr val="000000"/>
                         </a:solidFill>
@@ -10151,15 +10166,7 @@
                       </a:r>
                       <a:r>
                         <a:rPr lang="es-MX" baseline="0" dirty="0" smtClean="0"/>
-                        <a:t> Actual </a:t>
-                      </a:r>
-                      <a:r>
-                        <a:rPr lang="es-MX" baseline="0" dirty="0" smtClean="0"/>
-                        <a:t>(16/06/2013</a:t>
-                      </a:r>
-                      <a:r>
-                        <a:rPr lang="es-MX" baseline="0" dirty="0" smtClean="0"/>
-                        <a:t>)</a:t>
+                        <a:t> Actual (16/06/2013)</a:t>
                       </a:r>
                       <a:endParaRPr lang="es-MX" dirty="0"/>
                     </a:p>
@@ -10453,7 +10460,6 @@
                         <a:rPr lang="es-MX" dirty="0" smtClean="0"/>
                         <a:t>Atrasado</a:t>
                       </a:r>
-                      <a:endParaRPr lang="es-MX" dirty="0" smtClean="0"/>
                     </a:p>
                   </a:txBody>
                   <a:tcPr/>
@@ -11899,15 +11905,7 @@
             </a:pPr>
             <a:r>
               <a:rPr lang="es-MX" sz="2400" dirty="0" smtClean="0"/>
-              <a:t>Se </a:t>
-            </a:r>
-            <a:r>
-              <a:rPr lang="es-MX" sz="2400" dirty="0" smtClean="0"/>
-              <a:t>dedico más tiempo </a:t>
-            </a:r>
-            <a:r>
-              <a:rPr lang="es-MX" sz="2400" dirty="0" smtClean="0"/>
-              <a:t>del planeado en actividades de </a:t>
+              <a:t>Se dedico más tiempo del planeado en actividades de </a:t>
             </a:r>
             <a:r>
               <a:rPr lang="es-MX" sz="2400" dirty="0" err="1" smtClean="0"/>
@@ -11980,17 +11978,8 @@
             </a:r>
             <a:r>
               <a:rPr lang="es-MX" sz="2400" dirty="0" smtClean="0"/>
-              <a:t>: Dedicar el tiempo que se tiene para el </a:t>
-            </a:r>
-            <a:r>
-              <a:rPr lang="es-MX" sz="2400" dirty="0" smtClean="0"/>
-              <a:t>proyecto</a:t>
-            </a:r>
-            <a:r>
-              <a:rPr lang="es-MX" sz="2400" dirty="0" smtClean="0"/>
-              <a:t>, aunque esta semana se tuvo un avance no fue suficiente. Revisar las fechas planeadas debido a que están llevándonos más tiempo del que se planeo.</a:t>
-            </a:r>
-            <a:endParaRPr lang="es-MX" sz="2400" dirty="0" smtClean="0"/>
+              <a:t>: Dedicar el tiempo que se tiene para el proyecto, aunque esta semana se tuvo un avance no fue suficiente. Revisar las fechas planeadas debido a que están llevándonos más tiempo del que se planeo.</a:t>
+            </a:r>
           </a:p>
           <a:p>
             <a:endParaRPr lang="es-MX" sz="2400" dirty="0"/>
@@ -12742,15 +12731,7 @@
                       </a:r>
                       <a:r>
                         <a:rPr lang="es-MX" baseline="0" dirty="0" smtClean="0"/>
-                        <a:t> Actual </a:t>
-                      </a:r>
-                      <a:r>
-                        <a:rPr lang="es-MX" baseline="0" dirty="0" smtClean="0"/>
-                        <a:t>(16/06/2013</a:t>
-                      </a:r>
-                      <a:r>
-                        <a:rPr lang="es-MX" baseline="0" dirty="0" smtClean="0"/>
-                        <a:t>)</a:t>
+                        <a:t> Actual (16/06/2013)</a:t>
                       </a:r>
                       <a:endParaRPr lang="es-MX" dirty="0"/>
                     </a:p>
